--- a/literature_notes/ELK_HAR.pptx
+++ b/literature_notes/ELK_HAR.pptx
@@ -205,7 +205,7 @@
           <a:p>
             <a:fld id="{E86D8963-CFCD-4740-AF60-049850373CDF}" type="datetimeFigureOut">
               <a:rPr lang="zh-CN" altLang="en-US" smtClean="0"/>
-              <a:t>2024/11/16</a:t>
+              <a:t>2024/11/17</a:t>
             </a:fld>
             <a:endParaRPr lang="zh-CN" altLang="en-US"/>
           </a:p>
@@ -1311,7 +1311,7 @@
             <a:fld id="{6489D9C7-5DC6-4263-87FF-7C99F6FB63C3}" type="datetime1">
               <a:rPr lang="zh-CN" altLang="en-US" smtClean="0"/>
               <a:pPr/>
-              <a:t>2024/11/16</a:t>
+              <a:t>2024/11/17</a:t>
             </a:fld>
             <a:endParaRPr lang="zh-CN" altLang="en-US"/>
           </a:p>
@@ -1575,7 +1575,7 @@
             <a:fld id="{6489D9C7-5DC6-4263-87FF-7C99F6FB63C3}" type="datetime1">
               <a:rPr lang="zh-CN" altLang="en-US" smtClean="0"/>
               <a:pPr/>
-              <a:t>2024/11/16</a:t>
+              <a:t>2024/11/17</a:t>
             </a:fld>
             <a:endParaRPr lang="zh-CN" altLang="en-US"/>
           </a:p>
@@ -2220,7 +2220,7 @@
             <a:fld id="{6489D9C7-5DC6-4263-87FF-7C99F6FB63C3}" type="datetime1">
               <a:rPr lang="zh-CN" altLang="en-US" smtClean="0"/>
               <a:pPr/>
-              <a:t>2024/11/16</a:t>
+              <a:t>2024/11/17</a:t>
             </a:fld>
             <a:endParaRPr lang="zh-CN" altLang="en-US"/>
           </a:p>
@@ -3933,7 +3933,12 @@
             <p:ph type="title"/>
           </p:nvPr>
         </p:nvSpPr>
-        <p:spPr/>
+        <p:spPr>
+          <a:xfrm>
+            <a:off x="669924" y="-179393"/>
+            <a:ext cx="10850563" cy="1028699"/>
+          </a:xfrm>
+        </p:spPr>
         <p:txBody>
           <a:bodyPr/>
           <a:lstStyle/>
@@ -4007,6 +4012,66 @@
           </a:p>
         </p:txBody>
       </p:sp>
+      <p:pic>
+        <p:nvPicPr>
+          <p:cNvPr id="6" name="图片 5">
+            <a:extLst>
+              <a:ext uri="{FF2B5EF4-FFF2-40B4-BE49-F238E27FC236}">
+                <a16:creationId xmlns:a16="http://schemas.microsoft.com/office/drawing/2014/main" id="{DDCDCF22-0A57-C3F4-50E2-FE871E1697A0}"/>
+              </a:ext>
+            </a:extLst>
+          </p:cNvPr>
+          <p:cNvPicPr>
+            <a:picLocks noChangeAspect="1"/>
+          </p:cNvPicPr>
+          <p:nvPr/>
+        </p:nvPicPr>
+        <p:blipFill>
+          <a:blip r:embed="rId3"/>
+          <a:stretch>
+            <a:fillRect/>
+          </a:stretch>
+        </p:blipFill>
+        <p:spPr>
+          <a:xfrm>
+            <a:off x="416801" y="1128909"/>
+            <a:ext cx="8562092" cy="2547805"/>
+          </a:xfrm>
+          <a:prstGeom prst="rect">
+            <a:avLst/>
+          </a:prstGeom>
+        </p:spPr>
+      </p:pic>
+      <p:pic>
+        <p:nvPicPr>
+          <p:cNvPr id="8" name="图片 7">
+            <a:extLst>
+              <a:ext uri="{FF2B5EF4-FFF2-40B4-BE49-F238E27FC236}">
+                <a16:creationId xmlns:a16="http://schemas.microsoft.com/office/drawing/2014/main" id="{73710679-76EA-B192-EA5D-6C5764B13527}"/>
+              </a:ext>
+            </a:extLst>
+          </p:cNvPr>
+          <p:cNvPicPr>
+            <a:picLocks noChangeAspect="1"/>
+          </p:cNvPicPr>
+          <p:nvPr/>
+        </p:nvPicPr>
+        <p:blipFill>
+          <a:blip r:embed="rId4"/>
+          <a:stretch>
+            <a:fillRect/>
+          </a:stretch>
+        </p:blipFill>
+        <p:spPr>
+          <a:xfrm>
+            <a:off x="2861657" y="3429000"/>
+            <a:ext cx="5356484" cy="2985955"/>
+          </a:xfrm>
+          <a:prstGeom prst="rect">
+            <a:avLst/>
+          </a:prstGeom>
+        </p:spPr>
+      </p:pic>
     </p:spTree>
     <p:extLst>
       <p:ext uri="{BB962C8B-B14F-4D97-AF65-F5344CB8AC3E}">
@@ -4138,6 +4203,126 @@
           </a:p>
         </p:txBody>
       </p:sp>
+      <p:pic>
+        <p:nvPicPr>
+          <p:cNvPr id="6" name="图片 5">
+            <a:extLst>
+              <a:ext uri="{FF2B5EF4-FFF2-40B4-BE49-F238E27FC236}">
+                <a16:creationId xmlns:a16="http://schemas.microsoft.com/office/drawing/2014/main" id="{7348417A-1308-448D-CA03-D5D6A8E4A991}"/>
+              </a:ext>
+            </a:extLst>
+          </p:cNvPr>
+          <p:cNvPicPr>
+            <a:picLocks noChangeAspect="1"/>
+          </p:cNvPicPr>
+          <p:nvPr/>
+        </p:nvPicPr>
+        <p:blipFill>
+          <a:blip r:embed="rId2"/>
+          <a:stretch>
+            <a:fillRect/>
+          </a:stretch>
+        </p:blipFill>
+        <p:spPr>
+          <a:xfrm>
+            <a:off x="-170406" y="1137673"/>
+            <a:ext cx="6925642" cy="1066949"/>
+          </a:xfrm>
+          <a:prstGeom prst="rect">
+            <a:avLst/>
+          </a:prstGeom>
+        </p:spPr>
+      </p:pic>
+      <p:pic>
+        <p:nvPicPr>
+          <p:cNvPr id="10" name="图片 9">
+            <a:extLst>
+              <a:ext uri="{FF2B5EF4-FFF2-40B4-BE49-F238E27FC236}">
+                <a16:creationId xmlns:a16="http://schemas.microsoft.com/office/drawing/2014/main" id="{4ADE94BF-B1C5-C045-BA7D-DB524130A17A}"/>
+              </a:ext>
+            </a:extLst>
+          </p:cNvPr>
+          <p:cNvPicPr>
+            <a:picLocks noChangeAspect="1"/>
+          </p:cNvPicPr>
+          <p:nvPr/>
+        </p:nvPicPr>
+        <p:blipFill>
+          <a:blip r:embed="rId3"/>
+          <a:stretch>
+            <a:fillRect/>
+          </a:stretch>
+        </p:blipFill>
+        <p:spPr>
+          <a:xfrm>
+            <a:off x="5437832" y="4762207"/>
+            <a:ext cx="6754168" cy="2095792"/>
+          </a:xfrm>
+          <a:prstGeom prst="rect">
+            <a:avLst/>
+          </a:prstGeom>
+        </p:spPr>
+      </p:pic>
+      <p:pic>
+        <p:nvPicPr>
+          <p:cNvPr id="12" name="图片 11">
+            <a:extLst>
+              <a:ext uri="{FF2B5EF4-FFF2-40B4-BE49-F238E27FC236}">
+                <a16:creationId xmlns:a16="http://schemas.microsoft.com/office/drawing/2014/main" id="{24F37EF2-1756-F210-5378-496DDFF6811E}"/>
+              </a:ext>
+            </a:extLst>
+          </p:cNvPr>
+          <p:cNvPicPr>
+            <a:picLocks noChangeAspect="1"/>
+          </p:cNvPicPr>
+          <p:nvPr/>
+        </p:nvPicPr>
+        <p:blipFill>
+          <a:blip r:embed="rId4"/>
+          <a:stretch>
+            <a:fillRect/>
+          </a:stretch>
+        </p:blipFill>
+        <p:spPr>
+          <a:xfrm>
+            <a:off x="4220375" y="3248773"/>
+            <a:ext cx="7840169" cy="1514686"/>
+          </a:xfrm>
+          <a:prstGeom prst="rect">
+            <a:avLst/>
+          </a:prstGeom>
+        </p:spPr>
+      </p:pic>
+      <p:pic>
+        <p:nvPicPr>
+          <p:cNvPr id="14" name="图片 13">
+            <a:extLst>
+              <a:ext uri="{FF2B5EF4-FFF2-40B4-BE49-F238E27FC236}">
+                <a16:creationId xmlns:a16="http://schemas.microsoft.com/office/drawing/2014/main" id="{A9454389-4F8D-843C-BC41-9BCFAEA712F8}"/>
+              </a:ext>
+            </a:extLst>
+          </p:cNvPr>
+          <p:cNvPicPr>
+            <a:picLocks noChangeAspect="1"/>
+          </p:cNvPicPr>
+          <p:nvPr/>
+        </p:nvPicPr>
+        <p:blipFill>
+          <a:blip r:embed="rId5"/>
+          <a:stretch>
+            <a:fillRect/>
+          </a:stretch>
+        </p:blipFill>
+        <p:spPr>
+          <a:xfrm>
+            <a:off x="308564" y="2241067"/>
+            <a:ext cx="5277587" cy="914528"/>
+          </a:xfrm>
+          <a:prstGeom prst="rect">
+            <a:avLst/>
+          </a:prstGeom>
+        </p:spPr>
+      </p:pic>
     </p:spTree>
     <p:extLst>
       <p:ext uri="{BB962C8B-B14F-4D97-AF65-F5344CB8AC3E}">
@@ -4261,6 +4446,116 @@
               <a:t>5</a:t>
             </a:fld>
             <a:endParaRPr lang="zh-CN" altLang="en-US"/>
+          </a:p>
+        </p:txBody>
+      </p:sp>
+      <p:pic>
+        <p:nvPicPr>
+          <p:cNvPr id="6" name="图片 5">
+            <a:extLst>
+              <a:ext uri="{FF2B5EF4-FFF2-40B4-BE49-F238E27FC236}">
+                <a16:creationId xmlns:a16="http://schemas.microsoft.com/office/drawing/2014/main" id="{B9EC7AFD-31E2-33D0-3492-05E33519026F}"/>
+              </a:ext>
+            </a:extLst>
+          </p:cNvPr>
+          <p:cNvPicPr>
+            <a:picLocks noChangeAspect="1"/>
+          </p:cNvPicPr>
+          <p:nvPr/>
+        </p:nvPicPr>
+        <p:blipFill>
+          <a:blip r:embed="rId2"/>
+          <a:stretch>
+            <a:fillRect/>
+          </a:stretch>
+        </p:blipFill>
+        <p:spPr>
+          <a:xfrm>
+            <a:off x="1325236" y="1232563"/>
+            <a:ext cx="7678222" cy="2943636"/>
+          </a:xfrm>
+          <a:prstGeom prst="rect">
+            <a:avLst/>
+          </a:prstGeom>
+        </p:spPr>
+      </p:pic>
+      <p:sp>
+        <p:nvSpPr>
+          <p:cNvPr id="7" name="文本框 6">
+            <a:extLst>
+              <a:ext uri="{FF2B5EF4-FFF2-40B4-BE49-F238E27FC236}">
+                <a16:creationId xmlns:a16="http://schemas.microsoft.com/office/drawing/2014/main" id="{3AC9B2CD-825B-DAAB-680A-C7412DB65996}"/>
+              </a:ext>
+            </a:extLst>
+          </p:cNvPr>
+          <p:cNvSpPr txBox="1"/>
+          <p:nvPr/>
+        </p:nvSpPr>
+        <p:spPr>
+          <a:xfrm>
+            <a:off x="2472550" y="4746666"/>
+            <a:ext cx="6895738" cy="923330"/>
+          </a:xfrm>
+          <a:prstGeom prst="rect">
+            <a:avLst/>
+          </a:prstGeom>
+          <a:noFill/>
+        </p:spPr>
+        <p:txBody>
+          <a:bodyPr wrap="square" rtlCol="0">
+            <a:spAutoFit/>
+          </a:bodyPr>
+          <a:lstStyle/>
+          <a:p>
+            <a:r>
+              <a:rPr lang="zh-CN" altLang="en-US" dirty="0"/>
+              <a:t>卷积核接受野</a:t>
+            </a:r>
+            <a:r>
+              <a:rPr lang="en-US" altLang="zh-CN" dirty="0"/>
+              <a:t>[</a:t>
+            </a:r>
+            <a:r>
+              <a:rPr lang="en-US" altLang="zh-CN" dirty="0" err="1"/>
+              <a:t>batch_size</a:t>
+            </a:r>
+            <a:r>
+              <a:rPr lang="en-US" altLang="zh-CN" dirty="0"/>
+              <a:t>, 1, 3, 1] -&gt; [</a:t>
+            </a:r>
+            <a:r>
+              <a:rPr lang="en-US" altLang="zh-CN" dirty="0" err="1"/>
+              <a:t>batch_size</a:t>
+            </a:r>
+            <a:r>
+              <a:rPr lang="en-US" altLang="zh-CN" dirty="0"/>
+              <a:t>, 1, 31, 1]</a:t>
+            </a:r>
+          </a:p>
+          <a:p>
+            <a:endParaRPr lang="en-US" altLang="zh-CN" dirty="0"/>
+          </a:p>
+          <a:p>
+            <a:r>
+              <a:rPr lang="zh-CN" altLang="en-US" dirty="0"/>
+              <a:t>通过维度扩充，将第</a:t>
+            </a:r>
+            <a:r>
+              <a:rPr lang="en-US" altLang="zh-CN" dirty="0"/>
+              <a:t>3</a:t>
+            </a:r>
+            <a:r>
+              <a:rPr lang="zh-CN" altLang="en-US" dirty="0"/>
+              <a:t>维填充至</a:t>
+            </a:r>
+            <a:r>
+              <a:rPr lang="en-US" altLang="zh-CN" dirty="0"/>
+              <a:t>31</a:t>
+            </a:r>
+            <a:r>
+              <a:rPr lang="zh-CN" altLang="en-US" dirty="0"/>
+              <a:t>维</a:t>
+            </a:r>
           </a:p>
         </p:txBody>
       </p:sp>
